--- a/UI设计.pptx
+++ b/UI设计.pptx
@@ -255,7 +255,7 @@
           <a:p>
             <a:fld id="{40291FF5-7807-4141-BA3E-B20E537E27F7}" type="datetimeFigureOut">
               <a:rPr lang="zh-CN" altLang="en-US" smtClean="0"/>
-              <a:t>2023/4/24</a:t>
+              <a:t>2023/5/9</a:t>
             </a:fld>
             <a:endParaRPr lang="zh-CN" altLang="en-US"/>
           </a:p>
@@ -425,7 +425,7 @@
           <a:p>
             <a:fld id="{40291FF5-7807-4141-BA3E-B20E537E27F7}" type="datetimeFigureOut">
               <a:rPr lang="zh-CN" altLang="en-US" smtClean="0"/>
-              <a:t>2023/4/24</a:t>
+              <a:t>2023/5/9</a:t>
             </a:fld>
             <a:endParaRPr lang="zh-CN" altLang="en-US"/>
           </a:p>
@@ -605,7 +605,7 @@
           <a:p>
             <a:fld id="{40291FF5-7807-4141-BA3E-B20E537E27F7}" type="datetimeFigureOut">
               <a:rPr lang="zh-CN" altLang="en-US" smtClean="0"/>
-              <a:t>2023/4/24</a:t>
+              <a:t>2023/5/9</a:t>
             </a:fld>
             <a:endParaRPr lang="zh-CN" altLang="en-US"/>
           </a:p>
@@ -775,7 +775,7 @@
           <a:p>
             <a:fld id="{40291FF5-7807-4141-BA3E-B20E537E27F7}" type="datetimeFigureOut">
               <a:rPr lang="zh-CN" altLang="en-US" smtClean="0"/>
-              <a:t>2023/4/24</a:t>
+              <a:t>2023/5/9</a:t>
             </a:fld>
             <a:endParaRPr lang="zh-CN" altLang="en-US"/>
           </a:p>
@@ -1021,7 +1021,7 @@
           <a:p>
             <a:fld id="{40291FF5-7807-4141-BA3E-B20E537E27F7}" type="datetimeFigureOut">
               <a:rPr lang="zh-CN" altLang="en-US" smtClean="0"/>
-              <a:t>2023/4/24</a:t>
+              <a:t>2023/5/9</a:t>
             </a:fld>
             <a:endParaRPr lang="zh-CN" altLang="en-US"/>
           </a:p>
@@ -1253,7 +1253,7 @@
           <a:p>
             <a:fld id="{40291FF5-7807-4141-BA3E-B20E537E27F7}" type="datetimeFigureOut">
               <a:rPr lang="zh-CN" altLang="en-US" smtClean="0"/>
-              <a:t>2023/4/24</a:t>
+              <a:t>2023/5/9</a:t>
             </a:fld>
             <a:endParaRPr lang="zh-CN" altLang="en-US"/>
           </a:p>
@@ -1620,7 +1620,7 @@
           <a:p>
             <a:fld id="{40291FF5-7807-4141-BA3E-B20E537E27F7}" type="datetimeFigureOut">
               <a:rPr lang="zh-CN" altLang="en-US" smtClean="0"/>
-              <a:t>2023/4/24</a:t>
+              <a:t>2023/5/9</a:t>
             </a:fld>
             <a:endParaRPr lang="zh-CN" altLang="en-US"/>
           </a:p>
@@ -1738,7 +1738,7 @@
           <a:p>
             <a:fld id="{40291FF5-7807-4141-BA3E-B20E537E27F7}" type="datetimeFigureOut">
               <a:rPr lang="zh-CN" altLang="en-US" smtClean="0"/>
-              <a:t>2023/4/24</a:t>
+              <a:t>2023/5/9</a:t>
             </a:fld>
             <a:endParaRPr lang="zh-CN" altLang="en-US"/>
           </a:p>
@@ -1833,7 +1833,7 @@
           <a:p>
             <a:fld id="{40291FF5-7807-4141-BA3E-B20E537E27F7}" type="datetimeFigureOut">
               <a:rPr lang="zh-CN" altLang="en-US" smtClean="0"/>
-              <a:t>2023/4/24</a:t>
+              <a:t>2023/5/9</a:t>
             </a:fld>
             <a:endParaRPr lang="zh-CN" altLang="en-US"/>
           </a:p>
@@ -2110,7 +2110,7 @@
           <a:p>
             <a:fld id="{40291FF5-7807-4141-BA3E-B20E537E27F7}" type="datetimeFigureOut">
               <a:rPr lang="zh-CN" altLang="en-US" smtClean="0"/>
-              <a:t>2023/4/24</a:t>
+              <a:t>2023/5/9</a:t>
             </a:fld>
             <a:endParaRPr lang="zh-CN" altLang="en-US"/>
           </a:p>
@@ -2367,7 +2367,7 @@
           <a:p>
             <a:fld id="{40291FF5-7807-4141-BA3E-B20E537E27F7}" type="datetimeFigureOut">
               <a:rPr lang="zh-CN" altLang="en-US" smtClean="0"/>
-              <a:t>2023/4/24</a:t>
+              <a:t>2023/5/9</a:t>
             </a:fld>
             <a:endParaRPr lang="zh-CN" altLang="en-US"/>
           </a:p>
@@ -2580,7 +2580,7 @@
           <a:p>
             <a:fld id="{40291FF5-7807-4141-BA3E-B20E537E27F7}" type="datetimeFigureOut">
               <a:rPr lang="zh-CN" altLang="en-US" smtClean="0"/>
-              <a:t>2023/4/24</a:t>
+              <a:t>2023/5/9</a:t>
             </a:fld>
             <a:endParaRPr lang="zh-CN" altLang="en-US"/>
           </a:p>
@@ -3095,7 +3095,7 @@
         </p:nvSpPr>
         <p:spPr>
           <a:xfrm>
-            <a:off x="720000" y="2901405"/>
+            <a:off x="720000" y="2880000"/>
             <a:ext cx="2880000" cy="2880000"/>
           </a:xfrm>
           <a:prstGeom prst="ellipse">
@@ -3678,6 +3678,304 @@
               <a:t>1</a:t>
             </a:r>
             <a:endParaRPr lang="zh-CN" altLang="en-US" sz="5334" dirty="0"/>
+          </a:p>
+        </p:txBody>
+      </p:sp>
+      <p:sp>
+        <p:nvSpPr>
+          <p:cNvPr id="3" name="矩形 2">
+            <a:extLst>
+              <a:ext uri="{FF2B5EF4-FFF2-40B4-BE49-F238E27FC236}">
+                <a16:creationId xmlns:a16="http://schemas.microsoft.com/office/drawing/2014/main" id="{85048C62-A067-552A-F22F-4830FA3088D7}"/>
+              </a:ext>
+            </a:extLst>
+          </p:cNvPr>
+          <p:cNvSpPr/>
+          <p:nvPr/>
+        </p:nvSpPr>
+        <p:spPr>
+          <a:xfrm>
+            <a:off x="4255477" y="13949999"/>
+            <a:ext cx="3240000" cy="2880001"/>
+          </a:xfrm>
+          <a:prstGeom prst="rect">
+            <a:avLst/>
+          </a:prstGeom>
+          <a:noFill/>
+          <a:ln w="76200">
+            <a:solidFill>
+              <a:srgbClr val="FF0000"/>
+            </a:solidFill>
+          </a:ln>
+        </p:spPr>
+        <p:style>
+          <a:lnRef idx="2">
+            <a:schemeClr val="accent1">
+              <a:shade val="50000"/>
+            </a:schemeClr>
+          </a:lnRef>
+          <a:fillRef idx="1">
+            <a:schemeClr val="accent1"/>
+          </a:fillRef>
+          <a:effectRef idx="0">
+            <a:schemeClr val="accent1"/>
+          </a:effectRef>
+          <a:fontRef idx="minor">
+            <a:schemeClr val="lt1"/>
+          </a:fontRef>
+        </p:style>
+        <p:txBody>
+          <a:bodyPr rtlCol="0" anchor="ctr"/>
+          <a:lstStyle/>
+          <a:p>
+            <a:pPr algn="ctr"/>
+            <a:endParaRPr lang="zh-CN" altLang="en-US"/>
+          </a:p>
+        </p:txBody>
+      </p:sp>
+      <p:sp>
+        <p:nvSpPr>
+          <p:cNvPr id="4" name="文本框 3">
+            <a:extLst>
+              <a:ext uri="{FF2B5EF4-FFF2-40B4-BE49-F238E27FC236}">
+                <a16:creationId xmlns:a16="http://schemas.microsoft.com/office/drawing/2014/main" id="{BB9BC67B-46C6-AD26-1D5F-380E94A16049}"/>
+              </a:ext>
+            </a:extLst>
+          </p:cNvPr>
+          <p:cNvSpPr txBox="1"/>
+          <p:nvPr/>
+        </p:nvSpPr>
+        <p:spPr>
+          <a:xfrm>
+            <a:off x="720000" y="1800000"/>
+            <a:ext cx="2880000" cy="1169551"/>
+          </a:xfrm>
+          <a:prstGeom prst="rect">
+            <a:avLst/>
+          </a:prstGeom>
+          <a:noFill/>
+        </p:spPr>
+        <p:txBody>
+          <a:bodyPr wrap="square" rtlCol="0">
+            <a:spAutoFit/>
+          </a:bodyPr>
+          <a:lstStyle/>
+          <a:p>
+            <a:pPr algn="ctr"/>
+            <a:r>
+              <a:rPr lang="en-US" altLang="zh-CN" sz="7000" dirty="0"/>
+              <a:t> </a:t>
+            </a:r>
+            <a:r>
+              <a:rPr lang="en-US" altLang="zh-CN" sz="7000" dirty="0" err="1"/>
+              <a:t>freq</a:t>
+            </a:r>
+            <a:endParaRPr lang="zh-CN" altLang="en-US" sz="7000" dirty="0"/>
+          </a:p>
+        </p:txBody>
+      </p:sp>
+      <p:sp>
+        <p:nvSpPr>
+          <p:cNvPr id="6" name="文本框 5">
+            <a:extLst>
+              <a:ext uri="{FF2B5EF4-FFF2-40B4-BE49-F238E27FC236}">
+                <a16:creationId xmlns:a16="http://schemas.microsoft.com/office/drawing/2014/main" id="{15E8DB37-16D2-B0E3-89F4-DFD8562E1AAE}"/>
+              </a:ext>
+            </a:extLst>
+          </p:cNvPr>
+          <p:cNvSpPr txBox="1"/>
+          <p:nvPr/>
+        </p:nvSpPr>
+        <p:spPr>
+          <a:xfrm>
+            <a:off x="720000" y="7131854"/>
+            <a:ext cx="2880000" cy="1169551"/>
+          </a:xfrm>
+          <a:prstGeom prst="rect">
+            <a:avLst/>
+          </a:prstGeom>
+          <a:noFill/>
+        </p:spPr>
+        <p:txBody>
+          <a:bodyPr wrap="square" rtlCol="0">
+            <a:spAutoFit/>
+          </a:bodyPr>
+          <a:lstStyle/>
+          <a:p>
+            <a:pPr algn="ctr"/>
+            <a:r>
+              <a:rPr lang="en-US" altLang="zh-CN" sz="7000" dirty="0"/>
+              <a:t> </a:t>
+            </a:r>
+            <a:r>
+              <a:rPr lang="en-US" altLang="zh-CN" sz="7000" dirty="0" err="1"/>
+              <a:t>freq</a:t>
+            </a:r>
+            <a:endParaRPr lang="zh-CN" altLang="en-US" sz="7000" dirty="0"/>
+          </a:p>
+        </p:txBody>
+      </p:sp>
+      <p:sp>
+        <p:nvSpPr>
+          <p:cNvPr id="7" name="文本框 6">
+            <a:extLst>
+              <a:ext uri="{FF2B5EF4-FFF2-40B4-BE49-F238E27FC236}">
+                <a16:creationId xmlns:a16="http://schemas.microsoft.com/office/drawing/2014/main" id="{C15DE949-C983-465E-BB46-81AA44735D80}"/>
+              </a:ext>
+            </a:extLst>
+          </p:cNvPr>
+          <p:cNvSpPr txBox="1"/>
+          <p:nvPr/>
+        </p:nvSpPr>
+        <p:spPr>
+          <a:xfrm>
+            <a:off x="720000" y="12060000"/>
+            <a:ext cx="2880000" cy="1169551"/>
+          </a:xfrm>
+          <a:prstGeom prst="rect">
+            <a:avLst/>
+          </a:prstGeom>
+          <a:noFill/>
+        </p:spPr>
+        <p:txBody>
+          <a:bodyPr wrap="square" rtlCol="0">
+            <a:spAutoFit/>
+          </a:bodyPr>
+          <a:lstStyle/>
+          <a:p>
+            <a:pPr algn="ctr"/>
+            <a:r>
+              <a:rPr lang="en-US" altLang="zh-CN" sz="7000" dirty="0"/>
+              <a:t> </a:t>
+            </a:r>
+            <a:r>
+              <a:rPr lang="en-US" altLang="zh-CN" sz="7000" dirty="0" err="1"/>
+              <a:t>freq</a:t>
+            </a:r>
+            <a:endParaRPr lang="zh-CN" altLang="en-US" sz="7000" dirty="0"/>
+          </a:p>
+        </p:txBody>
+      </p:sp>
+      <p:sp>
+        <p:nvSpPr>
+          <p:cNvPr id="8" name="文本框 7">
+            <a:extLst>
+              <a:ext uri="{FF2B5EF4-FFF2-40B4-BE49-F238E27FC236}">
+                <a16:creationId xmlns:a16="http://schemas.microsoft.com/office/drawing/2014/main" id="{CE0067A1-2800-096E-74DF-1874E808D4FF}"/>
+              </a:ext>
+            </a:extLst>
+          </p:cNvPr>
+          <p:cNvSpPr txBox="1"/>
+          <p:nvPr/>
+        </p:nvSpPr>
+        <p:spPr>
+          <a:xfrm>
+            <a:off x="25200000" y="1236629"/>
+            <a:ext cx="2880000" cy="1169551"/>
+          </a:xfrm>
+          <a:prstGeom prst="rect">
+            <a:avLst/>
+          </a:prstGeom>
+          <a:noFill/>
+        </p:spPr>
+        <p:txBody>
+          <a:bodyPr wrap="square" rtlCol="0">
+            <a:spAutoFit/>
+          </a:bodyPr>
+          <a:lstStyle/>
+          <a:p>
+            <a:pPr algn="ctr"/>
+            <a:r>
+              <a:rPr lang="en-US" altLang="zh-CN" sz="7000" dirty="0"/>
+              <a:t> </a:t>
+            </a:r>
+            <a:r>
+              <a:rPr lang="en-US" altLang="zh-CN" sz="7000" dirty="0" err="1"/>
+              <a:t>freq</a:t>
+            </a:r>
+            <a:endParaRPr lang="zh-CN" altLang="en-US" sz="7000" dirty="0"/>
+          </a:p>
+        </p:txBody>
+      </p:sp>
+      <p:sp>
+        <p:nvSpPr>
+          <p:cNvPr id="9" name="文本框 8">
+            <a:extLst>
+              <a:ext uri="{FF2B5EF4-FFF2-40B4-BE49-F238E27FC236}">
+                <a16:creationId xmlns:a16="http://schemas.microsoft.com/office/drawing/2014/main" id="{A050B041-A28E-73C8-E568-CD684762981B}"/>
+              </a:ext>
+            </a:extLst>
+          </p:cNvPr>
+          <p:cNvSpPr txBox="1"/>
+          <p:nvPr/>
+        </p:nvSpPr>
+        <p:spPr>
+          <a:xfrm>
+            <a:off x="25200000" y="7164000"/>
+            <a:ext cx="2880000" cy="1169551"/>
+          </a:xfrm>
+          <a:prstGeom prst="rect">
+            <a:avLst/>
+          </a:prstGeom>
+          <a:noFill/>
+        </p:spPr>
+        <p:txBody>
+          <a:bodyPr wrap="square" rtlCol="0">
+            <a:spAutoFit/>
+          </a:bodyPr>
+          <a:lstStyle/>
+          <a:p>
+            <a:pPr algn="ctr"/>
+            <a:r>
+              <a:rPr lang="en-US" altLang="zh-CN" sz="7000" dirty="0"/>
+              <a:t> </a:t>
+            </a:r>
+            <a:r>
+              <a:rPr lang="en-US" altLang="zh-CN" sz="7000" dirty="0" err="1"/>
+              <a:t>freq</a:t>
+            </a:r>
+            <a:endParaRPr lang="zh-CN" altLang="en-US" sz="7000" dirty="0"/>
+          </a:p>
+        </p:txBody>
+      </p:sp>
+      <p:sp>
+        <p:nvSpPr>
+          <p:cNvPr id="10" name="文本框 9">
+            <a:extLst>
+              <a:ext uri="{FF2B5EF4-FFF2-40B4-BE49-F238E27FC236}">
+                <a16:creationId xmlns:a16="http://schemas.microsoft.com/office/drawing/2014/main" id="{C116E01F-F71C-C9A0-E4C2-DCAE6123EBE3}"/>
+              </a:ext>
+            </a:extLst>
+          </p:cNvPr>
+          <p:cNvSpPr txBox="1"/>
+          <p:nvPr/>
+        </p:nvSpPr>
+        <p:spPr>
+          <a:xfrm>
+            <a:off x="25200000" y="11676628"/>
+            <a:ext cx="2880000" cy="1169551"/>
+          </a:xfrm>
+          <a:prstGeom prst="rect">
+            <a:avLst/>
+          </a:prstGeom>
+          <a:noFill/>
+        </p:spPr>
+        <p:txBody>
+          <a:bodyPr wrap="square" rtlCol="0">
+            <a:spAutoFit/>
+          </a:bodyPr>
+          <a:lstStyle/>
+          <a:p>
+            <a:pPr algn="ctr"/>
+            <a:r>
+              <a:rPr lang="en-US" altLang="zh-CN" sz="7000" dirty="0"/>
+              <a:t> </a:t>
+            </a:r>
+            <a:r>
+              <a:rPr lang="en-US" altLang="zh-CN" sz="7000" dirty="0" err="1"/>
+              <a:t>freq</a:t>
+            </a:r>
+            <a:endParaRPr lang="zh-CN" altLang="en-US" sz="7000" dirty="0"/>
           </a:p>
         </p:txBody>
       </p:sp>
